--- a/Poster.pptx
+++ b/Poster.pptx
@@ -2822,13 +2822,13 @@
             </a:extLst>
           </p:cNvPr>
           <p:cNvSpPr>
-            <a:spLocks/>
+            <a:spLocks noGrp="1" noRot="1" noMove="1" noResize="1" noEditPoints="1" noAdjustHandles="1" noChangeArrowheads="1" noChangeShapeType="1"/>
           </p:cNvSpPr>
           <p:nvPr/>
         </p:nvSpPr>
         <p:spPr>
           <a:xfrm>
-            <a:off x="-4144963" y="-2079280"/>
+            <a:off x="-4144963" y="-1926884"/>
             <a:ext cx="43891199" cy="7245803"/>
           </a:xfrm>
           <a:prstGeom prst="rect">
@@ -4142,8 +4142,8 @@
         </p:nvSpPr>
         <p:spPr bwMode="auto">
           <a:xfrm>
-            <a:off x="20643596" y="33195932"/>
-            <a:ext cx="9183262" cy="6260587"/>
+            <a:off x="20696237" y="33648519"/>
+            <a:ext cx="9183262" cy="5768145"/>
           </a:xfrm>
           <a:prstGeom prst="rect">
             <a:avLst/>
@@ -4286,12 +4286,6 @@
               <a:t>However, some challenges remain. Specifically, since the system operates in an open-loop configuration without feedback, it cannot track the exact position of the pins during the drawing process. As a result, there is a potential risk of double images appearing in the physical output.</a:t>
             </a:r>
           </a:p>
-          <a:p>
-            <a:pPr eaLnBrk="1" hangingPunct="1"/>
-            <a:endParaRPr lang="en-US" sz="3200" dirty="0">
-              <a:latin typeface="+mn-lt"/>
-            </a:endParaRPr>
-          </a:p>
         </p:txBody>
       </p:sp>
       <p:sp>
@@ -4302,7 +4296,7 @@
         </p:nvSpPr>
         <p:spPr>
           <a:xfrm>
-            <a:off x="20643596" y="32222132"/>
+            <a:off x="20696237" y="32674719"/>
             <a:ext cx="9183262" cy="973802"/>
           </a:xfrm>
           <a:prstGeom prst="rect">
@@ -4919,7 +4913,7 @@
         </p:blipFill>
         <p:spPr>
           <a:xfrm>
-            <a:off x="455763" y="52409"/>
+            <a:off x="455763" y="2630007"/>
             <a:ext cx="6701593" cy="2307912"/>
           </a:xfrm>
           <a:prstGeom prst="rect">
@@ -4927,54 +4921,6 @@
           </a:prstGeom>
         </p:spPr>
       </p:pic>
-      <p:sp>
-        <p:nvSpPr>
-          <p:cNvPr id="19" name="Rectangle 18">
-            <a:extLst>
-              <a:ext uri="{FF2B5EF4-FFF2-40B4-BE49-F238E27FC236}">
-                <a16:creationId xmlns:a16="http://schemas.microsoft.com/office/drawing/2014/main" id="{CDD89919-833F-A49C-923E-27CDC8E2F4D4}"/>
-              </a:ext>
-            </a:extLst>
-          </p:cNvPr>
-          <p:cNvSpPr/>
-          <p:nvPr/>
-        </p:nvSpPr>
-        <p:spPr>
-          <a:xfrm>
-            <a:off x="6980237" y="1216777"/>
-            <a:ext cx="17094744" cy="1938992"/>
-          </a:xfrm>
-          <a:prstGeom prst="rect">
-            <a:avLst/>
-          </a:prstGeom>
-          <a:noFill/>
-        </p:spPr>
-        <p:txBody>
-          <a:bodyPr wrap="none" lIns="91440" tIns="45720" rIns="91440" bIns="45720">
-            <a:spAutoFit/>
-          </a:bodyPr>
-          <a:lstStyle/>
-          <a:p>
-            <a:pPr algn="ctr"/>
-            <a:r>
-              <a:rPr lang="en-US" sz="12000" b="1" cap="none" spc="0" dirty="0">
-                <a:ln w="38100">
-                  <a:solidFill>
-                    <a:srgbClr val="B0C2D7"/>
-                  </a:solidFill>
-                  <a:prstDash val="solid"/>
-                </a:ln>
-                <a:solidFill>
-                  <a:srgbClr val="EBF2DE"/>
-                </a:solidFill>
-                <a:effectLst/>
-                <a:latin typeface="Algerian" panose="04020705040A02060702" pitchFamily="82" charset="0"/>
-              </a:rPr>
-              <a:t>Etch A Sketch Robot</a:t>
-            </a:r>
-          </a:p>
-        </p:txBody>
-      </p:sp>
       <p:sp>
         <p:nvSpPr>
           <p:cNvPr id="20" name="Rectangle 19">
@@ -5744,7 +5690,7 @@
         <p:spPr bwMode="auto">
           <a:xfrm>
             <a:off x="20648126" y="17722720"/>
-            <a:ext cx="9192112" cy="14139667"/>
+            <a:ext cx="9192112" cy="14508999"/>
           </a:xfrm>
           <a:prstGeom prst="rect">
             <a:avLst/>
@@ -6035,6 +5981,13 @@
               <a:buFont typeface="Arial" panose="020B0604020202020204" pitchFamily="34" charset="0"/>
               <a:buChar char="•"/>
             </a:pPr>
+            <a:endParaRPr lang="en-US" altLang="zh-CN" sz="2400" dirty="0">
+              <a:latin typeface="Arial" panose="020B0604020202020204" pitchFamily="34" charset="0"/>
+              <a:cs typeface="Arial" panose="020B0604020202020204" pitchFamily="34" charset="0"/>
+            </a:endParaRPr>
+          </a:p>
+          <a:p>
+            <a:pPr eaLnBrk="1" hangingPunct="1"/>
             <a:endParaRPr lang="en-US" altLang="zh-CN" sz="2400" dirty="0">
               <a:latin typeface="Arial" panose="020B0604020202020204" pitchFamily="34" charset="0"/>
               <a:cs typeface="Arial" panose="020B0604020202020204" pitchFamily="34" charset="0"/>
@@ -6198,7 +6151,7 @@
         </p:nvGrpSpPr>
         <p:grpSpPr>
           <a:xfrm>
-            <a:off x="22469870" y="29614373"/>
+            <a:off x="22490906" y="29702919"/>
             <a:ext cx="5444331" cy="1841146"/>
             <a:chOff x="22982" y="27199"/>
             <a:chExt cx="9900" cy="2632"/>
@@ -7218,7 +7171,7 @@
         </p:nvSpPr>
         <p:spPr bwMode="auto">
           <a:xfrm>
-            <a:off x="23377648" y="31379319"/>
+            <a:off x="23398684" y="31684168"/>
             <a:ext cx="3114328" cy="457151"/>
           </a:xfrm>
           <a:prstGeom prst="rect">
@@ -7373,6 +7326,181 @@
                 <a:latin typeface="Calibri" pitchFamily="34" charset="0"/>
               </a:rPr>
               <a:t> Image Drifting</a:t>
+            </a:r>
+          </a:p>
+        </p:txBody>
+      </p:sp>
+      <p:sp>
+        <p:nvSpPr>
+          <p:cNvPr id="2" name="Text Box 122">
+            <a:extLst>
+              <a:ext uri="{FF2B5EF4-FFF2-40B4-BE49-F238E27FC236}">
+                <a16:creationId xmlns:a16="http://schemas.microsoft.com/office/drawing/2014/main" id="{36387DB3-FC7F-8038-3E2F-2EFF2C9A6D68}"/>
+              </a:ext>
+            </a:extLst>
+          </p:cNvPr>
+          <p:cNvSpPr txBox="1">
+            <a:spLocks noChangeArrowheads="1"/>
+          </p:cNvSpPr>
+          <p:nvPr/>
+        </p:nvSpPr>
+        <p:spPr bwMode="auto">
+          <a:xfrm>
+            <a:off x="4570801" y="191913"/>
+            <a:ext cx="21117102" cy="3001851"/>
+          </a:xfrm>
+          <a:prstGeom prst="rect">
+            <a:avLst/>
+          </a:prstGeom>
+          <a:noFill/>
+          <a:ln>
+            <a:noFill/>
+          </a:ln>
+          <a:effectLst/>
+          <a:extLst>
+            <a:ext uri="{909E8E84-426E-40DD-AFC4-6F175D3DCCD1}">
+              <a14:hiddenFill xmlns:a14="http://schemas.microsoft.com/office/drawing/2010/main">
+                <a:solidFill>
+                  <a:schemeClr val="accent1"/>
+                </a:solidFill>
+              </a14:hiddenFill>
+            </a:ext>
+            <a:ext uri="{91240B29-F687-4F45-9708-019B960494DF}">
+              <a14:hiddenLine xmlns:a14="http://schemas.microsoft.com/office/drawing/2010/main" w="9525">
+                <a:solidFill>
+                  <a:schemeClr val="tx1"/>
+                </a:solidFill>
+                <a:miter lim="800000"/>
+                <a:headEnd/>
+                <a:tailEnd/>
+              </a14:hiddenLine>
+            </a:ext>
+            <a:ext uri="{AF507438-7753-43E0-B8FC-AC1667EBCBE1}">
+              <a14:hiddenEffects xmlns:a14="http://schemas.microsoft.com/office/drawing/2010/main">
+                <a:effectLst>
+                  <a:outerShdw dist="35921" dir="2700000" algn="ctr" rotWithShape="0">
+                    <a:schemeClr val="bg2"/>
+                  </a:outerShdw>
+                </a:effectLst>
+              </a14:hiddenEffects>
+            </a:ext>
+          </a:extLst>
+        </p:spPr>
+        <p:txBody>
+          <a:bodyPr lIns="173940" tIns="434850" rIns="173940" bIns="434850" anchor="ctr" anchorCtr="0">
+            <a:spAutoFit/>
+          </a:bodyPr>
+          <a:lstStyle>
+            <a:lvl1pPr defTabSz="4389438" eaLnBrk="0" hangingPunct="0">
+              <a:defRPr sz="2200">
+                <a:solidFill>
+                  <a:schemeClr val="tx1"/>
+                </a:solidFill>
+                <a:latin typeface="Arial" charset="0"/>
+              </a:defRPr>
+            </a:lvl1pPr>
+            <a:lvl2pPr marL="742950" indent="-285750" defTabSz="4389438" eaLnBrk="0" hangingPunct="0">
+              <a:defRPr sz="2200">
+                <a:solidFill>
+                  <a:schemeClr val="tx1"/>
+                </a:solidFill>
+                <a:latin typeface="Arial" charset="0"/>
+              </a:defRPr>
+            </a:lvl2pPr>
+            <a:lvl3pPr marL="1143000" indent="-228600" defTabSz="4389438" eaLnBrk="0" hangingPunct="0">
+              <a:defRPr sz="2200">
+                <a:solidFill>
+                  <a:schemeClr val="tx1"/>
+                </a:solidFill>
+                <a:latin typeface="Arial" charset="0"/>
+              </a:defRPr>
+            </a:lvl3pPr>
+            <a:lvl4pPr marL="1600200" indent="-228600" defTabSz="4389438" eaLnBrk="0" hangingPunct="0">
+              <a:defRPr sz="2200">
+                <a:solidFill>
+                  <a:schemeClr val="tx1"/>
+                </a:solidFill>
+                <a:latin typeface="Arial" charset="0"/>
+              </a:defRPr>
+            </a:lvl4pPr>
+            <a:lvl5pPr marL="2057400" indent="-228600" defTabSz="4389438" eaLnBrk="0" hangingPunct="0">
+              <a:defRPr sz="2200">
+                <a:solidFill>
+                  <a:schemeClr val="tx1"/>
+                </a:solidFill>
+                <a:latin typeface="Arial" charset="0"/>
+              </a:defRPr>
+            </a:lvl5pPr>
+            <a:lvl6pPr marL="2514600" indent="-228600" defTabSz="4389438" eaLnBrk="0" fontAlgn="base" hangingPunct="0">
+              <a:spcBef>
+                <a:spcPct val="0"/>
+              </a:spcBef>
+              <a:spcAft>
+                <a:spcPct val="0"/>
+              </a:spcAft>
+              <a:defRPr sz="2200">
+                <a:solidFill>
+                  <a:schemeClr val="tx1"/>
+                </a:solidFill>
+                <a:latin typeface="Arial" charset="0"/>
+              </a:defRPr>
+            </a:lvl6pPr>
+            <a:lvl7pPr marL="2971800" indent="-228600" defTabSz="4389438" eaLnBrk="0" fontAlgn="base" hangingPunct="0">
+              <a:spcBef>
+                <a:spcPct val="0"/>
+              </a:spcBef>
+              <a:spcAft>
+                <a:spcPct val="0"/>
+              </a:spcAft>
+              <a:defRPr sz="2200">
+                <a:solidFill>
+                  <a:schemeClr val="tx1"/>
+                </a:solidFill>
+                <a:latin typeface="Arial" charset="0"/>
+              </a:defRPr>
+            </a:lvl7pPr>
+            <a:lvl8pPr marL="3429000" indent="-228600" defTabSz="4389438" eaLnBrk="0" fontAlgn="base" hangingPunct="0">
+              <a:spcBef>
+                <a:spcPct val="0"/>
+              </a:spcBef>
+              <a:spcAft>
+                <a:spcPct val="0"/>
+              </a:spcAft>
+              <a:defRPr sz="2200">
+                <a:solidFill>
+                  <a:schemeClr val="tx1"/>
+                </a:solidFill>
+                <a:latin typeface="Arial" charset="0"/>
+              </a:defRPr>
+            </a:lvl8pPr>
+            <a:lvl9pPr marL="3886200" indent="-228600" defTabSz="4389438" eaLnBrk="0" fontAlgn="base" hangingPunct="0">
+              <a:spcBef>
+                <a:spcPct val="0"/>
+              </a:spcBef>
+              <a:spcAft>
+                <a:spcPct val="0"/>
+              </a:spcAft>
+              <a:defRPr sz="2200">
+                <a:solidFill>
+                  <a:schemeClr val="tx1"/>
+                </a:solidFill>
+                <a:latin typeface="Arial" charset="0"/>
+              </a:defRPr>
+            </a:lvl9pPr>
+          </a:lstStyle>
+          <a:p>
+            <a:pPr algn="ctr" eaLnBrk="1" hangingPunct="1"/>
+            <a:r>
+              <a:rPr lang="en-US" sz="13800" b="1" dirty="0">
+                <a:solidFill>
+                  <a:schemeClr val="accent3">
+                    <a:lumMod val="20000"/>
+                    <a:lumOff val="80000"/>
+                  </a:schemeClr>
+                </a:solidFill>
+                <a:latin typeface="Algerian" pitchFamily="82" charset="77"/>
+              </a:rPr>
+              <a:t>Etch A Sketch Robot</a:t>
             </a:r>
           </a:p>
         </p:txBody>
